--- a/docs/Capstone Desine Project PPT.pptx
+++ b/docs/Capstone Desine Project PPT.pptx
@@ -5,7 +5,7 @@
     <p:sldMasterId id="2147483648" r:id="rId1"/>
   </p:sldMasterIdLst>
   <p:notesMasterIdLst>
-    <p:notesMasterId r:id="rId9"/>
+    <p:notesMasterId r:id="rId10"/>
   </p:notesMasterIdLst>
   <p:sldIdLst>
     <p:sldId id="256" r:id="rId2"/>
@@ -15,6 +15,7 @@
     <p:sldId id="262" r:id="rId6"/>
     <p:sldId id="263" r:id="rId7"/>
     <p:sldId id="264" r:id="rId8"/>
+    <p:sldId id="265" r:id="rId9"/>
   </p:sldIdLst>
   <p:sldSz cx="12192000" cy="6858000"/>
   <p:notesSz cx="6858000" cy="9144000"/>
@@ -113,6 +114,11 @@
       </a:defRPr>
     </a:lvl9pPr>
   </p:defaultTextStyle>
+  <p:extLst>
+    <p:ext uri="{EFAFB233-063F-42B5-8137-9DF3F51BA10A}">
+      <p15:sldGuideLst xmlns:p15="http://schemas.microsoft.com/office/powerpoint/2012/main"/>
+    </p:ext>
+  </p:extLst>
 </p:presentation>
 </file>
 
@@ -198,7 +204,7 @@
           <a:p>
             <a:fld id="{3945DEF4-DF46-4865-BCE6-D20E1BB1C05B}" type="datetimeFigureOut">
               <a:rPr lang="ko-KR" altLang="en-US" smtClean="0"/>
-              <a:t>2026-01-16</a:t>
+              <a:t>2026-01-26</a:t>
             </a:fld>
             <a:endParaRPr lang="ko-KR" altLang="en-US"/>
           </a:p>
@@ -1344,7 +1350,7 @@
           <a:p>
             <a:fld id="{E9FEC436-F2DD-4241-AC6C-F24131B4F134}" type="datetimeFigureOut">
               <a:rPr lang="ko-KR" altLang="en-US" smtClean="0"/>
-              <a:t>2026-01-16</a:t>
+              <a:t>2026-01-26</a:t>
             </a:fld>
             <a:endParaRPr lang="ko-KR" altLang="en-US"/>
           </a:p>
@@ -1542,7 +1548,7 @@
           <a:p>
             <a:fld id="{E9FEC436-F2DD-4241-AC6C-F24131B4F134}" type="datetimeFigureOut">
               <a:rPr lang="ko-KR" altLang="en-US" smtClean="0"/>
-              <a:t>2026-01-16</a:t>
+              <a:t>2026-01-26</a:t>
             </a:fld>
             <a:endParaRPr lang="ko-KR" altLang="en-US"/>
           </a:p>
@@ -1750,7 +1756,7 @@
           <a:p>
             <a:fld id="{E9FEC436-F2DD-4241-AC6C-F24131B4F134}" type="datetimeFigureOut">
               <a:rPr lang="ko-KR" altLang="en-US" smtClean="0"/>
-              <a:t>2026-01-16</a:t>
+              <a:t>2026-01-26</a:t>
             </a:fld>
             <a:endParaRPr lang="ko-KR" altLang="en-US"/>
           </a:p>
@@ -1948,7 +1954,7 @@
           <a:p>
             <a:fld id="{E9FEC436-F2DD-4241-AC6C-F24131B4F134}" type="datetimeFigureOut">
               <a:rPr lang="ko-KR" altLang="en-US" smtClean="0"/>
-              <a:t>2026-01-16</a:t>
+              <a:t>2026-01-26</a:t>
             </a:fld>
             <a:endParaRPr lang="ko-KR" altLang="en-US"/>
           </a:p>
@@ -2223,7 +2229,7 @@
           <a:p>
             <a:fld id="{E9FEC436-F2DD-4241-AC6C-F24131B4F134}" type="datetimeFigureOut">
               <a:rPr lang="ko-KR" altLang="en-US" smtClean="0"/>
-              <a:t>2026-01-16</a:t>
+              <a:t>2026-01-26</a:t>
             </a:fld>
             <a:endParaRPr lang="ko-KR" altLang="en-US"/>
           </a:p>
@@ -2488,7 +2494,7 @@
           <a:p>
             <a:fld id="{E9FEC436-F2DD-4241-AC6C-F24131B4F134}" type="datetimeFigureOut">
               <a:rPr lang="ko-KR" altLang="en-US" smtClean="0"/>
-              <a:t>2026-01-16</a:t>
+              <a:t>2026-01-26</a:t>
             </a:fld>
             <a:endParaRPr lang="ko-KR" altLang="en-US"/>
           </a:p>
@@ -2900,7 +2906,7 @@
           <a:p>
             <a:fld id="{E9FEC436-F2DD-4241-AC6C-F24131B4F134}" type="datetimeFigureOut">
               <a:rPr lang="ko-KR" altLang="en-US" smtClean="0"/>
-              <a:t>2026-01-16</a:t>
+              <a:t>2026-01-26</a:t>
             </a:fld>
             <a:endParaRPr lang="ko-KR" altLang="en-US"/>
           </a:p>
@@ -3041,7 +3047,7 @@
           <a:p>
             <a:fld id="{E9FEC436-F2DD-4241-AC6C-F24131B4F134}" type="datetimeFigureOut">
               <a:rPr lang="ko-KR" altLang="en-US" smtClean="0"/>
-              <a:t>2026-01-16</a:t>
+              <a:t>2026-01-26</a:t>
             </a:fld>
             <a:endParaRPr lang="ko-KR" altLang="en-US"/>
           </a:p>
@@ -3154,7 +3160,7 @@
           <a:p>
             <a:fld id="{E9FEC436-F2DD-4241-AC6C-F24131B4F134}" type="datetimeFigureOut">
               <a:rPr lang="ko-KR" altLang="en-US" smtClean="0"/>
-              <a:t>2026-01-16</a:t>
+              <a:t>2026-01-26</a:t>
             </a:fld>
             <a:endParaRPr lang="ko-KR" altLang="en-US"/>
           </a:p>
@@ -3465,7 +3471,7 @@
           <a:p>
             <a:fld id="{E9FEC436-F2DD-4241-AC6C-F24131B4F134}" type="datetimeFigureOut">
               <a:rPr lang="ko-KR" altLang="en-US" smtClean="0"/>
-              <a:t>2026-01-16</a:t>
+              <a:t>2026-01-26</a:t>
             </a:fld>
             <a:endParaRPr lang="ko-KR" altLang="en-US"/>
           </a:p>
@@ -3753,7 +3759,7 @@
           <a:p>
             <a:fld id="{E9FEC436-F2DD-4241-AC6C-F24131B4F134}" type="datetimeFigureOut">
               <a:rPr lang="ko-KR" altLang="en-US" smtClean="0"/>
-              <a:t>2026-01-16</a:t>
+              <a:t>2026-01-26</a:t>
             </a:fld>
             <a:endParaRPr lang="ko-KR" altLang="en-US"/>
           </a:p>
@@ -3994,7 +4000,7 @@
           <a:p>
             <a:fld id="{E9FEC436-F2DD-4241-AC6C-F24131B4F134}" type="datetimeFigureOut">
               <a:rPr lang="ko-KR" altLang="en-US" smtClean="0"/>
-              <a:t>2026-01-16</a:t>
+              <a:t>2026-01-26</a:t>
             </a:fld>
             <a:endParaRPr lang="ko-KR" altLang="en-US"/>
           </a:p>
@@ -8707,6 +8713,1627 @@
     <p:extLst>
       <p:ext uri="{BB962C8B-B14F-4D97-AF65-F5344CB8AC3E}">
         <p14:creationId xmlns:p14="http://schemas.microsoft.com/office/powerpoint/2010/main" val="3963611285"/>
+      </p:ext>
+    </p:extLst>
+  </p:cSld>
+  <p:clrMapOvr>
+    <a:masterClrMapping/>
+  </p:clrMapOvr>
+</p:sld>
+</file>
+
+<file path=ppt/slides/slide8.xml><?xml version="1.0" encoding="utf-8"?>
+<p:sld xmlns:a="http://schemas.openxmlformats.org/drawingml/2006/main" xmlns:r="http://schemas.openxmlformats.org/officeDocument/2006/relationships" xmlns:p="http://schemas.openxmlformats.org/presentationml/2006/main">
+  <p:cSld>
+    <p:spTree>
+      <p:nvGrpSpPr>
+        <p:cNvPr id="1" name=""/>
+        <p:cNvGrpSpPr/>
+        <p:nvPr/>
+      </p:nvGrpSpPr>
+      <p:grpSpPr>
+        <a:xfrm>
+          <a:off x="0" y="0"/>
+          <a:ext cx="0" cy="0"/>
+          <a:chOff x="0" y="0"/>
+          <a:chExt cx="0" cy="0"/>
+        </a:xfrm>
+      </p:grpSpPr>
+      <p:pic>
+        <p:nvPicPr>
+          <p:cNvPr id="4" name="그래픽 3" descr="사용자 단색으로 채워진">
+            <a:extLst>
+              <a:ext uri="{FF2B5EF4-FFF2-40B4-BE49-F238E27FC236}">
+                <a16:creationId xmlns:a16="http://schemas.microsoft.com/office/drawing/2014/main" id="{9A6E20E9-7427-D8D0-A6B5-1337A34F6974}"/>
+              </a:ext>
+            </a:extLst>
+          </p:cNvPr>
+          <p:cNvPicPr>
+            <a:picLocks noChangeAspect="1"/>
+          </p:cNvPicPr>
+          <p:nvPr/>
+        </p:nvPicPr>
+        <p:blipFill>
+          <a:blip r:embed="rId2">
+            <a:extLst>
+              <a:ext uri="{96DAC541-7B7A-43D3-8B79-37D633B846F1}">
+                <asvg:svgBlip xmlns:asvg="http://schemas.microsoft.com/office/drawing/2016/SVG/main" r:embed="rId3"/>
+              </a:ext>
+            </a:extLst>
+          </a:blip>
+          <a:stretch>
+            <a:fillRect/>
+          </a:stretch>
+        </p:blipFill>
+        <p:spPr>
+          <a:xfrm>
+            <a:off x="860927" y="1311582"/>
+            <a:ext cx="727494" cy="727494"/>
+          </a:xfrm>
+          <a:prstGeom prst="rect">
+            <a:avLst/>
+          </a:prstGeom>
+        </p:spPr>
+      </p:pic>
+      <p:sp>
+        <p:nvSpPr>
+          <p:cNvPr id="5" name="사각형: 둥근 모서리 4">
+            <a:extLst>
+              <a:ext uri="{FF2B5EF4-FFF2-40B4-BE49-F238E27FC236}">
+                <a16:creationId xmlns:a16="http://schemas.microsoft.com/office/drawing/2014/main" id="{61A50477-A22D-C82B-32E2-807B8D144821}"/>
+              </a:ext>
+            </a:extLst>
+          </p:cNvPr>
+          <p:cNvSpPr/>
+          <p:nvPr/>
+        </p:nvSpPr>
+        <p:spPr>
+          <a:xfrm>
+            <a:off x="2295520" y="497191"/>
+            <a:ext cx="2122099" cy="2329132"/>
+          </a:xfrm>
+          <a:prstGeom prst="roundRect">
+            <a:avLst>
+              <a:gd name="adj" fmla="val 8766"/>
+            </a:avLst>
+          </a:prstGeom>
+          <a:noFill/>
+        </p:spPr>
+        <p:style>
+          <a:lnRef idx="2">
+            <a:schemeClr val="accent1">
+              <a:shade val="15000"/>
+            </a:schemeClr>
+          </a:lnRef>
+          <a:fillRef idx="1">
+            <a:schemeClr val="accent1"/>
+          </a:fillRef>
+          <a:effectRef idx="0">
+            <a:schemeClr val="accent1"/>
+          </a:effectRef>
+          <a:fontRef idx="minor">
+            <a:schemeClr val="lt1"/>
+          </a:fontRef>
+        </p:style>
+        <p:txBody>
+          <a:bodyPr rtlCol="0" anchor="ctr"/>
+          <a:lstStyle/>
+          <a:p>
+            <a:pPr algn="ctr"/>
+            <a:r>
+              <a:rPr lang="en-US" altLang="ko-KR" dirty="0">
+                <a:solidFill>
+                  <a:schemeClr val="tx1"/>
+                </a:solidFill>
+              </a:rPr>
+              <a:t>Frontend</a:t>
+            </a:r>
+          </a:p>
+          <a:p>
+            <a:pPr algn="ctr"/>
+            <a:endParaRPr lang="en-US" altLang="ko-KR" dirty="0">
+              <a:solidFill>
+                <a:schemeClr val="tx1"/>
+              </a:solidFill>
+            </a:endParaRPr>
+          </a:p>
+          <a:p>
+            <a:pPr algn="ctr"/>
+            <a:endParaRPr lang="en-US" altLang="ko-KR" dirty="0">
+              <a:solidFill>
+                <a:schemeClr val="tx1"/>
+              </a:solidFill>
+            </a:endParaRPr>
+          </a:p>
+          <a:p>
+            <a:pPr algn="ctr"/>
+            <a:endParaRPr lang="en-US" altLang="ko-KR" dirty="0">
+              <a:solidFill>
+                <a:schemeClr val="tx1"/>
+              </a:solidFill>
+            </a:endParaRPr>
+          </a:p>
+          <a:p>
+            <a:pPr algn="ctr"/>
+            <a:endParaRPr lang="en-US" altLang="ko-KR" dirty="0">
+              <a:solidFill>
+                <a:schemeClr val="tx1"/>
+              </a:solidFill>
+            </a:endParaRPr>
+          </a:p>
+          <a:p>
+            <a:pPr algn="ctr"/>
+            <a:endParaRPr lang="en-US" altLang="ko-KR" dirty="0">
+              <a:solidFill>
+                <a:schemeClr val="tx1"/>
+              </a:solidFill>
+            </a:endParaRPr>
+          </a:p>
+          <a:p>
+            <a:pPr algn="ctr"/>
+            <a:endParaRPr lang="en-US" altLang="ko-KR" dirty="0">
+              <a:solidFill>
+                <a:schemeClr val="tx1"/>
+              </a:solidFill>
+            </a:endParaRPr>
+          </a:p>
+          <a:p>
+            <a:pPr algn="ctr"/>
+            <a:endParaRPr lang="ko-KR" altLang="en-US" dirty="0">
+              <a:solidFill>
+                <a:schemeClr val="tx1"/>
+              </a:solidFill>
+            </a:endParaRPr>
+          </a:p>
+        </p:txBody>
+      </p:sp>
+      <p:pic>
+        <p:nvPicPr>
+          <p:cNvPr id="6" name="Picture 2" descr="React 래 워드마크 로고 아이콘">
+            <a:extLst>
+              <a:ext uri="{FF2B5EF4-FFF2-40B4-BE49-F238E27FC236}">
+                <a16:creationId xmlns:a16="http://schemas.microsoft.com/office/drawing/2014/main" id="{FE9B8FAE-0311-32AE-ECA6-B8E36C9EAFFD}"/>
+              </a:ext>
+            </a:extLst>
+          </p:cNvPr>
+          <p:cNvPicPr>
+            <a:picLocks noChangeAspect="1" noChangeArrowheads="1"/>
+          </p:cNvPicPr>
+          <p:nvPr/>
+        </p:nvPicPr>
+        <p:blipFill>
+          <a:blip r:embed="rId4">
+            <a:extLst>
+              <a:ext uri="{28A0092B-C50C-407E-A947-70E740481C1C}">
+                <a14:useLocalDpi xmlns:a14="http://schemas.microsoft.com/office/drawing/2010/main" val="0"/>
+              </a:ext>
+            </a:extLst>
+          </a:blip>
+          <a:srcRect/>
+          <a:stretch>
+            <a:fillRect/>
+          </a:stretch>
+        </p:blipFill>
+        <p:spPr bwMode="auto">
+          <a:xfrm>
+            <a:off x="3505375" y="1111102"/>
+            <a:ext cx="701614" cy="701614"/>
+          </a:xfrm>
+          <a:prstGeom prst="rect">
+            <a:avLst/>
+          </a:prstGeom>
+          <a:noFill/>
+          <a:extLst>
+            <a:ext uri="{909E8E84-426E-40DD-AFC4-6F175D3DCCD1}">
+              <a14:hiddenFill xmlns:a14="http://schemas.microsoft.com/office/drawing/2010/main">
+                <a:solidFill>
+                  <a:srgbClr val="FFFFFF"/>
+                </a:solidFill>
+              </a14:hiddenFill>
+            </a:ext>
+          </a:extLst>
+        </p:spPr>
+      </p:pic>
+      <p:pic>
+        <p:nvPicPr>
+          <p:cNvPr id="7" name="Picture 6" descr="Html 5 - 무료 심벌 마크개 아이콘">
+            <a:extLst>
+              <a:ext uri="{FF2B5EF4-FFF2-40B4-BE49-F238E27FC236}">
+                <a16:creationId xmlns:a16="http://schemas.microsoft.com/office/drawing/2014/main" id="{B784059C-80F5-BD0E-AF2F-04DA7010AAC4}"/>
+              </a:ext>
+            </a:extLst>
+          </p:cNvPr>
+          <p:cNvPicPr>
+            <a:picLocks noChangeAspect="1" noChangeArrowheads="1"/>
+          </p:cNvPicPr>
+          <p:nvPr/>
+        </p:nvPicPr>
+        <p:blipFill>
+          <a:blip r:embed="rId5">
+            <a:extLst>
+              <a:ext uri="{28A0092B-C50C-407E-A947-70E740481C1C}">
+                <a14:useLocalDpi xmlns:a14="http://schemas.microsoft.com/office/drawing/2010/main" val="0"/>
+              </a:ext>
+            </a:extLst>
+          </a:blip>
+          <a:srcRect/>
+          <a:stretch>
+            <a:fillRect/>
+          </a:stretch>
+        </p:blipFill>
+        <p:spPr bwMode="auto">
+          <a:xfrm>
+            <a:off x="2546976" y="1146325"/>
+            <a:ext cx="631167" cy="631167"/>
+          </a:xfrm>
+          <a:prstGeom prst="rect">
+            <a:avLst/>
+          </a:prstGeom>
+          <a:noFill/>
+          <a:extLst>
+            <a:ext uri="{909E8E84-426E-40DD-AFC4-6F175D3DCCD1}">
+              <a14:hiddenFill xmlns:a14="http://schemas.microsoft.com/office/drawing/2010/main">
+                <a:solidFill>
+                  <a:srgbClr val="FFFFFF"/>
+                </a:solidFill>
+              </a14:hiddenFill>
+            </a:ext>
+          </a:extLst>
+        </p:spPr>
+      </p:pic>
+      <p:pic>
+        <p:nvPicPr>
+          <p:cNvPr id="8" name="Picture 20" descr="CSS 프레임워크 - Tailwind CSS">
+            <a:extLst>
+              <a:ext uri="{FF2B5EF4-FFF2-40B4-BE49-F238E27FC236}">
+                <a16:creationId xmlns:a16="http://schemas.microsoft.com/office/drawing/2014/main" id="{57E15989-163A-798D-3A19-16AE61123C9B}"/>
+              </a:ext>
+            </a:extLst>
+          </p:cNvPr>
+          <p:cNvPicPr>
+            <a:picLocks noChangeAspect="1" noChangeArrowheads="1"/>
+          </p:cNvPicPr>
+          <p:nvPr/>
+        </p:nvPicPr>
+        <p:blipFill>
+          <a:blip r:embed="rId6">
+            <a:extLst>
+              <a:ext uri="{28A0092B-C50C-407E-A947-70E740481C1C}">
+                <a14:useLocalDpi xmlns:a14="http://schemas.microsoft.com/office/drawing/2010/main" val="0"/>
+              </a:ext>
+            </a:extLst>
+          </a:blip>
+          <a:srcRect/>
+          <a:stretch>
+            <a:fillRect/>
+          </a:stretch>
+        </p:blipFill>
+        <p:spPr bwMode="auto">
+          <a:xfrm>
+            <a:off x="2678530" y="2065444"/>
+            <a:ext cx="1356078" cy="469330"/>
+          </a:xfrm>
+          <a:prstGeom prst="rect">
+            <a:avLst/>
+          </a:prstGeom>
+          <a:noFill/>
+          <a:extLst>
+            <a:ext uri="{909E8E84-426E-40DD-AFC4-6F175D3DCCD1}">
+              <a14:hiddenFill xmlns:a14="http://schemas.microsoft.com/office/drawing/2010/main">
+                <a:solidFill>
+                  <a:srgbClr val="FFFFFF"/>
+                </a:solidFill>
+              </a14:hiddenFill>
+            </a:ext>
+          </a:extLst>
+        </p:spPr>
+      </p:pic>
+      <p:sp>
+        <p:nvSpPr>
+          <p:cNvPr id="9" name="사각형: 둥근 모서리 8">
+            <a:extLst>
+              <a:ext uri="{FF2B5EF4-FFF2-40B4-BE49-F238E27FC236}">
+                <a16:creationId xmlns:a16="http://schemas.microsoft.com/office/drawing/2014/main" id="{FDB48D95-F066-50FF-C53A-CCE18725C836}"/>
+              </a:ext>
+            </a:extLst>
+          </p:cNvPr>
+          <p:cNvSpPr/>
+          <p:nvPr/>
+        </p:nvSpPr>
+        <p:spPr>
+          <a:xfrm>
+            <a:off x="5617085" y="404368"/>
+            <a:ext cx="5637512" cy="4295958"/>
+          </a:xfrm>
+          <a:prstGeom prst="roundRect">
+            <a:avLst>
+              <a:gd name="adj" fmla="val 8766"/>
+            </a:avLst>
+          </a:prstGeom>
+          <a:noFill/>
+        </p:spPr>
+        <p:style>
+          <a:lnRef idx="2">
+            <a:schemeClr val="accent1">
+              <a:shade val="15000"/>
+            </a:schemeClr>
+          </a:lnRef>
+          <a:fillRef idx="1">
+            <a:schemeClr val="accent1"/>
+          </a:fillRef>
+          <a:effectRef idx="0">
+            <a:schemeClr val="accent1"/>
+          </a:effectRef>
+          <a:fontRef idx="minor">
+            <a:schemeClr val="lt1"/>
+          </a:fontRef>
+        </p:style>
+        <p:txBody>
+          <a:bodyPr rtlCol="0" anchor="ctr"/>
+          <a:lstStyle/>
+          <a:p>
+            <a:pPr algn="ctr"/>
+            <a:r>
+              <a:rPr lang="en-US" altLang="ko-KR" dirty="0">
+                <a:solidFill>
+                  <a:schemeClr val="tx1"/>
+                </a:solidFill>
+              </a:rPr>
+              <a:t>Backend</a:t>
+            </a:r>
+          </a:p>
+          <a:p>
+            <a:pPr algn="ctr"/>
+            <a:endParaRPr lang="en-US" altLang="ko-KR" dirty="0">
+              <a:solidFill>
+                <a:schemeClr val="tx1"/>
+              </a:solidFill>
+            </a:endParaRPr>
+          </a:p>
+          <a:p>
+            <a:pPr algn="ctr"/>
+            <a:endParaRPr lang="en-US" altLang="ko-KR" dirty="0">
+              <a:solidFill>
+                <a:schemeClr val="tx1"/>
+              </a:solidFill>
+            </a:endParaRPr>
+          </a:p>
+          <a:p>
+            <a:pPr algn="ctr"/>
+            <a:endParaRPr lang="en-US" altLang="ko-KR" dirty="0">
+              <a:solidFill>
+                <a:schemeClr val="tx1"/>
+              </a:solidFill>
+            </a:endParaRPr>
+          </a:p>
+          <a:p>
+            <a:pPr algn="ctr"/>
+            <a:endParaRPr lang="en-US" altLang="ko-KR" dirty="0">
+              <a:solidFill>
+                <a:schemeClr val="tx1"/>
+              </a:solidFill>
+            </a:endParaRPr>
+          </a:p>
+          <a:p>
+            <a:pPr algn="ctr"/>
+            <a:endParaRPr lang="en-US" altLang="ko-KR" dirty="0">
+              <a:solidFill>
+                <a:schemeClr val="tx1"/>
+              </a:solidFill>
+            </a:endParaRPr>
+          </a:p>
+          <a:p>
+            <a:pPr algn="ctr"/>
+            <a:endParaRPr lang="en-US" altLang="ko-KR" dirty="0">
+              <a:solidFill>
+                <a:schemeClr val="tx1"/>
+              </a:solidFill>
+            </a:endParaRPr>
+          </a:p>
+          <a:p>
+            <a:pPr algn="ctr"/>
+            <a:endParaRPr lang="en-US" altLang="ko-KR" dirty="0">
+              <a:solidFill>
+                <a:schemeClr val="tx1"/>
+              </a:solidFill>
+            </a:endParaRPr>
+          </a:p>
+          <a:p>
+            <a:pPr algn="ctr"/>
+            <a:endParaRPr lang="en-US" altLang="ko-KR" dirty="0">
+              <a:solidFill>
+                <a:schemeClr val="tx1"/>
+              </a:solidFill>
+            </a:endParaRPr>
+          </a:p>
+          <a:p>
+            <a:pPr algn="ctr"/>
+            <a:endParaRPr lang="en-US" altLang="ko-KR" dirty="0">
+              <a:solidFill>
+                <a:schemeClr val="tx1"/>
+              </a:solidFill>
+            </a:endParaRPr>
+          </a:p>
+          <a:p>
+            <a:pPr algn="ctr"/>
+            <a:endParaRPr lang="en-US" altLang="ko-KR" dirty="0">
+              <a:solidFill>
+                <a:schemeClr val="tx1"/>
+              </a:solidFill>
+            </a:endParaRPr>
+          </a:p>
+          <a:p>
+            <a:pPr algn="ctr"/>
+            <a:endParaRPr lang="en-US" altLang="ko-KR" dirty="0">
+              <a:solidFill>
+                <a:schemeClr val="tx1"/>
+              </a:solidFill>
+            </a:endParaRPr>
+          </a:p>
+          <a:p>
+            <a:pPr algn="ctr"/>
+            <a:endParaRPr lang="en-US" altLang="ko-KR" dirty="0">
+              <a:solidFill>
+                <a:schemeClr val="tx1"/>
+              </a:solidFill>
+            </a:endParaRPr>
+          </a:p>
+          <a:p>
+            <a:pPr algn="ctr"/>
+            <a:endParaRPr lang="en-US" altLang="ko-KR" dirty="0">
+              <a:solidFill>
+                <a:schemeClr val="tx1"/>
+              </a:solidFill>
+            </a:endParaRPr>
+          </a:p>
+          <a:p>
+            <a:pPr algn="ctr"/>
+            <a:endParaRPr lang="ko-KR" altLang="en-US" dirty="0">
+              <a:solidFill>
+                <a:schemeClr val="tx1"/>
+              </a:solidFill>
+            </a:endParaRPr>
+          </a:p>
+        </p:txBody>
+      </p:sp>
+      <p:sp>
+        <p:nvSpPr>
+          <p:cNvPr id="10" name="사각형: 둥근 모서리 9">
+            <a:extLst>
+              <a:ext uri="{FF2B5EF4-FFF2-40B4-BE49-F238E27FC236}">
+                <a16:creationId xmlns:a16="http://schemas.microsoft.com/office/drawing/2014/main" id="{C50D25AA-0DE8-EFC6-0E50-9E046A7996EC}"/>
+              </a:ext>
+            </a:extLst>
+          </p:cNvPr>
+          <p:cNvSpPr/>
+          <p:nvPr/>
+        </p:nvSpPr>
+        <p:spPr>
+          <a:xfrm>
+            <a:off x="5920447" y="967964"/>
+            <a:ext cx="2717322" cy="1357221"/>
+          </a:xfrm>
+          <a:prstGeom prst="roundRect">
+            <a:avLst>
+              <a:gd name="adj" fmla="val 8766"/>
+            </a:avLst>
+          </a:prstGeom>
+          <a:noFill/>
+        </p:spPr>
+        <p:style>
+          <a:lnRef idx="2">
+            <a:schemeClr val="accent1">
+              <a:shade val="15000"/>
+            </a:schemeClr>
+          </a:lnRef>
+          <a:fillRef idx="1">
+            <a:schemeClr val="accent1"/>
+          </a:fillRef>
+          <a:effectRef idx="0">
+            <a:schemeClr val="accent1"/>
+          </a:effectRef>
+          <a:fontRef idx="minor">
+            <a:schemeClr val="lt1"/>
+          </a:fontRef>
+        </p:style>
+        <p:txBody>
+          <a:bodyPr rtlCol="0" anchor="ctr"/>
+          <a:lstStyle/>
+          <a:p>
+            <a:pPr algn="ctr"/>
+            <a:r>
+              <a:rPr lang="en-US" altLang="ko-KR" dirty="0">
+                <a:solidFill>
+                  <a:schemeClr val="tx1"/>
+                </a:solidFill>
+              </a:rPr>
+              <a:t>System1</a:t>
+            </a:r>
+          </a:p>
+          <a:p>
+            <a:pPr algn="ctr"/>
+            <a:endParaRPr lang="en-US" altLang="ko-KR" dirty="0">
+              <a:solidFill>
+                <a:schemeClr val="tx1"/>
+              </a:solidFill>
+            </a:endParaRPr>
+          </a:p>
+          <a:p>
+            <a:pPr algn="ctr"/>
+            <a:endParaRPr lang="en-US" altLang="ko-KR" dirty="0">
+              <a:solidFill>
+                <a:schemeClr val="tx1"/>
+              </a:solidFill>
+            </a:endParaRPr>
+          </a:p>
+          <a:p>
+            <a:pPr algn="ctr"/>
+            <a:endParaRPr lang="ko-KR" altLang="en-US" dirty="0">
+              <a:solidFill>
+                <a:schemeClr val="tx1"/>
+              </a:solidFill>
+            </a:endParaRPr>
+          </a:p>
+        </p:txBody>
+      </p:sp>
+      <p:pic>
+        <p:nvPicPr>
+          <p:cNvPr id="11" name="Picture 24" descr="JAVA공부 [0. JAVA???] - 공부 블로그 Blue log">
+            <a:extLst>
+              <a:ext uri="{FF2B5EF4-FFF2-40B4-BE49-F238E27FC236}">
+                <a16:creationId xmlns:a16="http://schemas.microsoft.com/office/drawing/2014/main" id="{4EDE7CBF-698F-498B-F5FB-4025E11BE60D}"/>
+              </a:ext>
+            </a:extLst>
+          </p:cNvPr>
+          <p:cNvPicPr>
+            <a:picLocks noChangeAspect="1" noChangeArrowheads="1"/>
+          </p:cNvPicPr>
+          <p:nvPr/>
+        </p:nvPicPr>
+        <p:blipFill>
+          <a:blip r:embed="rId7">
+            <a:extLst>
+              <a:ext uri="{28A0092B-C50C-407E-A947-70E740481C1C}">
+                <a14:useLocalDpi xmlns:a14="http://schemas.microsoft.com/office/drawing/2010/main" val="0"/>
+              </a:ext>
+            </a:extLst>
+          </a:blip>
+          <a:srcRect/>
+          <a:stretch>
+            <a:fillRect/>
+          </a:stretch>
+        </p:blipFill>
+        <p:spPr bwMode="auto">
+          <a:xfrm>
+            <a:off x="6128920" y="1515156"/>
+            <a:ext cx="906188" cy="507253"/>
+          </a:xfrm>
+          <a:prstGeom prst="rect">
+            <a:avLst/>
+          </a:prstGeom>
+          <a:noFill/>
+          <a:extLst>
+            <a:ext uri="{909E8E84-426E-40DD-AFC4-6F175D3DCCD1}">
+              <a14:hiddenFill xmlns:a14="http://schemas.microsoft.com/office/drawing/2010/main">
+                <a:solidFill>
+                  <a:srgbClr val="FFFFFF"/>
+                </a:solidFill>
+              </a14:hiddenFill>
+            </a:ext>
+          </a:extLst>
+        </p:spPr>
+      </p:pic>
+      <p:pic>
+        <p:nvPicPr>
+          <p:cNvPr id="12" name="Picture 28" descr="SpringBoot]스프링부트란?">
+            <a:extLst>
+              <a:ext uri="{FF2B5EF4-FFF2-40B4-BE49-F238E27FC236}">
+                <a16:creationId xmlns:a16="http://schemas.microsoft.com/office/drawing/2014/main" id="{2DCDE381-DAA6-F5B4-CBF7-1C8A8A140A15}"/>
+              </a:ext>
+            </a:extLst>
+          </p:cNvPr>
+          <p:cNvPicPr>
+            <a:picLocks noChangeAspect="1" noChangeArrowheads="1"/>
+          </p:cNvPicPr>
+          <p:nvPr/>
+        </p:nvPicPr>
+        <p:blipFill>
+          <a:blip r:embed="rId8">
+            <a:extLst>
+              <a:ext uri="{28A0092B-C50C-407E-A947-70E740481C1C}">
+                <a14:useLocalDpi xmlns:a14="http://schemas.microsoft.com/office/drawing/2010/main" val="0"/>
+              </a:ext>
+            </a:extLst>
+          </a:blip>
+          <a:srcRect/>
+          <a:stretch>
+            <a:fillRect/>
+          </a:stretch>
+        </p:blipFill>
+        <p:spPr bwMode="auto">
+          <a:xfrm>
+            <a:off x="7243581" y="1528094"/>
+            <a:ext cx="1102923" cy="578472"/>
+          </a:xfrm>
+          <a:prstGeom prst="rect">
+            <a:avLst/>
+          </a:prstGeom>
+          <a:noFill/>
+          <a:extLst>
+            <a:ext uri="{909E8E84-426E-40DD-AFC4-6F175D3DCCD1}">
+              <a14:hiddenFill xmlns:a14="http://schemas.microsoft.com/office/drawing/2010/main">
+                <a:solidFill>
+                  <a:srgbClr val="FFFFFF"/>
+                </a:solidFill>
+              </a14:hiddenFill>
+            </a:ext>
+          </a:extLst>
+        </p:spPr>
+      </p:pic>
+      <p:sp>
+        <p:nvSpPr>
+          <p:cNvPr id="13" name="사각형: 둥근 모서리 12">
+            <a:extLst>
+              <a:ext uri="{FF2B5EF4-FFF2-40B4-BE49-F238E27FC236}">
+                <a16:creationId xmlns:a16="http://schemas.microsoft.com/office/drawing/2014/main" id="{0D237636-E8BE-A8A2-A68F-7A204E67BC5B}"/>
+              </a:ext>
+            </a:extLst>
+          </p:cNvPr>
+          <p:cNvSpPr/>
+          <p:nvPr/>
+        </p:nvSpPr>
+        <p:spPr>
+          <a:xfrm>
+            <a:off x="9807658" y="967964"/>
+            <a:ext cx="1117545" cy="1357221"/>
+          </a:xfrm>
+          <a:prstGeom prst="roundRect">
+            <a:avLst>
+              <a:gd name="adj" fmla="val 8766"/>
+            </a:avLst>
+          </a:prstGeom>
+          <a:noFill/>
+        </p:spPr>
+        <p:style>
+          <a:lnRef idx="2">
+            <a:schemeClr val="accent1">
+              <a:shade val="15000"/>
+            </a:schemeClr>
+          </a:lnRef>
+          <a:fillRef idx="1">
+            <a:schemeClr val="accent1"/>
+          </a:fillRef>
+          <a:effectRef idx="0">
+            <a:schemeClr val="accent1"/>
+          </a:effectRef>
+          <a:fontRef idx="minor">
+            <a:schemeClr val="lt1"/>
+          </a:fontRef>
+        </p:style>
+        <p:txBody>
+          <a:bodyPr rtlCol="0" anchor="ctr"/>
+          <a:lstStyle/>
+          <a:p>
+            <a:pPr algn="ctr"/>
+            <a:r>
+              <a:rPr lang="en-US" altLang="ko-KR" dirty="0">
+                <a:solidFill>
+                  <a:schemeClr val="tx1"/>
+                </a:solidFill>
+              </a:rPr>
+              <a:t>DB</a:t>
+            </a:r>
+          </a:p>
+          <a:p>
+            <a:pPr algn="ctr"/>
+            <a:endParaRPr lang="en-US" altLang="ko-KR" dirty="0">
+              <a:solidFill>
+                <a:schemeClr val="tx1"/>
+              </a:solidFill>
+            </a:endParaRPr>
+          </a:p>
+          <a:p>
+            <a:pPr algn="ctr"/>
+            <a:endParaRPr lang="en-US" altLang="ko-KR" dirty="0">
+              <a:solidFill>
+                <a:schemeClr val="tx1"/>
+              </a:solidFill>
+            </a:endParaRPr>
+          </a:p>
+          <a:p>
+            <a:pPr algn="ctr"/>
+            <a:endParaRPr lang="ko-KR" altLang="en-US" dirty="0">
+              <a:solidFill>
+                <a:schemeClr val="tx1"/>
+              </a:solidFill>
+            </a:endParaRPr>
+          </a:p>
+        </p:txBody>
+      </p:sp>
+      <p:pic>
+        <p:nvPicPr>
+          <p:cNvPr id="14" name="Picture 32" descr="MySQL 데이터 베이스 및 테이블 정보 조회">
+            <a:extLst>
+              <a:ext uri="{FF2B5EF4-FFF2-40B4-BE49-F238E27FC236}">
+                <a16:creationId xmlns:a16="http://schemas.microsoft.com/office/drawing/2014/main" id="{6D0A0B2E-58EC-5880-2AE0-BE3B3A50ED4F}"/>
+              </a:ext>
+            </a:extLst>
+          </p:cNvPr>
+          <p:cNvPicPr>
+            <a:picLocks noChangeAspect="1" noChangeArrowheads="1"/>
+          </p:cNvPicPr>
+          <p:nvPr/>
+        </p:nvPicPr>
+        <p:blipFill>
+          <a:blip r:embed="rId9">
+            <a:extLst>
+              <a:ext uri="{28A0092B-C50C-407E-A947-70E740481C1C}">
+                <a14:useLocalDpi xmlns:a14="http://schemas.microsoft.com/office/drawing/2010/main" val="0"/>
+              </a:ext>
+            </a:extLst>
+          </a:blip>
+          <a:srcRect/>
+          <a:stretch>
+            <a:fillRect/>
+          </a:stretch>
+        </p:blipFill>
+        <p:spPr bwMode="auto">
+          <a:xfrm>
+            <a:off x="10020442" y="1477091"/>
+            <a:ext cx="691975" cy="691975"/>
+          </a:xfrm>
+          <a:prstGeom prst="rect">
+            <a:avLst/>
+          </a:prstGeom>
+          <a:noFill/>
+          <a:extLst>
+            <a:ext uri="{909E8E84-426E-40DD-AFC4-6F175D3DCCD1}">
+              <a14:hiddenFill xmlns:a14="http://schemas.microsoft.com/office/drawing/2010/main">
+                <a:solidFill>
+                  <a:srgbClr val="FFFFFF"/>
+                </a:solidFill>
+              </a14:hiddenFill>
+            </a:ext>
+          </a:extLst>
+        </p:spPr>
+      </p:pic>
+      <p:cxnSp>
+        <p:nvCxnSpPr>
+          <p:cNvPr id="15" name="직선 연결선 14">
+            <a:extLst>
+              <a:ext uri="{FF2B5EF4-FFF2-40B4-BE49-F238E27FC236}">
+                <a16:creationId xmlns:a16="http://schemas.microsoft.com/office/drawing/2014/main" id="{77B79D7E-1388-3C7A-EB4A-7FC5C1301AAA}"/>
+              </a:ext>
+            </a:extLst>
+          </p:cNvPr>
+          <p:cNvCxnSpPr>
+            <a:stCxn id="10" idx="3"/>
+            <a:endCxn id="13" idx="1"/>
+          </p:cNvCxnSpPr>
+          <p:nvPr/>
+        </p:nvCxnSpPr>
+        <p:spPr>
+          <a:xfrm>
+            <a:off x="8637769" y="1646575"/>
+            <a:ext cx="1169889" cy="0"/>
+          </a:xfrm>
+          <a:prstGeom prst="line">
+            <a:avLst/>
+          </a:prstGeom>
+        </p:spPr>
+        <p:style>
+          <a:lnRef idx="2">
+            <a:schemeClr val="accent1"/>
+          </a:lnRef>
+          <a:fillRef idx="0">
+            <a:schemeClr val="accent1"/>
+          </a:fillRef>
+          <a:effectRef idx="1">
+            <a:schemeClr val="accent1"/>
+          </a:effectRef>
+          <a:fontRef idx="minor">
+            <a:schemeClr val="tx1"/>
+          </a:fontRef>
+        </p:style>
+      </p:cxnSp>
+      <p:sp>
+        <p:nvSpPr>
+          <p:cNvPr id="16" name="TextBox 15">
+            <a:extLst>
+              <a:ext uri="{FF2B5EF4-FFF2-40B4-BE49-F238E27FC236}">
+                <a16:creationId xmlns:a16="http://schemas.microsoft.com/office/drawing/2014/main" id="{B08D716E-7764-8966-9A7D-2538ACCE6733}"/>
+              </a:ext>
+            </a:extLst>
+          </p:cNvPr>
+          <p:cNvSpPr txBox="1"/>
+          <p:nvPr/>
+        </p:nvSpPr>
+        <p:spPr>
+          <a:xfrm>
+            <a:off x="8945811" y="1292425"/>
+            <a:ext cx="532453" cy="369332"/>
+          </a:xfrm>
+          <a:prstGeom prst="rect">
+            <a:avLst/>
+          </a:prstGeom>
+          <a:noFill/>
+        </p:spPr>
+        <p:txBody>
+          <a:bodyPr wrap="none" rtlCol="0">
+            <a:spAutoFit/>
+          </a:bodyPr>
+          <a:lstStyle/>
+          <a:p>
+            <a:r>
+              <a:rPr lang="en-US" altLang="ko-KR" dirty="0"/>
+              <a:t>JPA</a:t>
+            </a:r>
+            <a:endParaRPr lang="ko-KR" altLang="en-US" dirty="0"/>
+          </a:p>
+        </p:txBody>
+      </p:sp>
+      <p:sp>
+        <p:nvSpPr>
+          <p:cNvPr id="17" name="TextBox 16">
+            <a:extLst>
+              <a:ext uri="{FF2B5EF4-FFF2-40B4-BE49-F238E27FC236}">
+                <a16:creationId xmlns:a16="http://schemas.microsoft.com/office/drawing/2014/main" id="{71680D04-1BEE-2559-E00A-E10EAAB67035}"/>
+              </a:ext>
+            </a:extLst>
+          </p:cNvPr>
+          <p:cNvSpPr txBox="1"/>
+          <p:nvPr/>
+        </p:nvSpPr>
+        <p:spPr>
+          <a:xfrm>
+            <a:off x="4659374" y="1201429"/>
+            <a:ext cx="884601" cy="369332"/>
+          </a:xfrm>
+          <a:prstGeom prst="rect">
+            <a:avLst/>
+          </a:prstGeom>
+          <a:noFill/>
+        </p:spPr>
+        <p:txBody>
+          <a:bodyPr wrap="none" rtlCol="0">
+            <a:spAutoFit/>
+          </a:bodyPr>
+          <a:lstStyle/>
+          <a:p>
+            <a:r>
+              <a:rPr lang="en-US" altLang="ko-KR" dirty="0"/>
+              <a:t>Restful</a:t>
+            </a:r>
+            <a:endParaRPr lang="ko-KR" altLang="en-US" dirty="0"/>
+          </a:p>
+        </p:txBody>
+      </p:sp>
+      <p:sp>
+        <p:nvSpPr>
+          <p:cNvPr id="18" name="사각형: 둥근 모서리 17">
+            <a:extLst>
+              <a:ext uri="{FF2B5EF4-FFF2-40B4-BE49-F238E27FC236}">
+                <a16:creationId xmlns:a16="http://schemas.microsoft.com/office/drawing/2014/main" id="{0FEC179E-A5FC-F0DB-1C4D-91E14ACF1E57}"/>
+              </a:ext>
+            </a:extLst>
+          </p:cNvPr>
+          <p:cNvSpPr/>
+          <p:nvPr/>
+        </p:nvSpPr>
+        <p:spPr>
+          <a:xfrm>
+            <a:off x="5920447" y="3036380"/>
+            <a:ext cx="2717322" cy="1357221"/>
+          </a:xfrm>
+          <a:prstGeom prst="roundRect">
+            <a:avLst>
+              <a:gd name="adj" fmla="val 8766"/>
+            </a:avLst>
+          </a:prstGeom>
+          <a:noFill/>
+        </p:spPr>
+        <p:style>
+          <a:lnRef idx="2">
+            <a:schemeClr val="accent1">
+              <a:shade val="15000"/>
+            </a:schemeClr>
+          </a:lnRef>
+          <a:fillRef idx="1">
+            <a:schemeClr val="accent1"/>
+          </a:fillRef>
+          <a:effectRef idx="0">
+            <a:schemeClr val="accent1"/>
+          </a:effectRef>
+          <a:fontRef idx="minor">
+            <a:schemeClr val="lt1"/>
+          </a:fontRef>
+        </p:style>
+        <p:txBody>
+          <a:bodyPr rtlCol="0" anchor="ctr"/>
+          <a:lstStyle/>
+          <a:p>
+            <a:pPr algn="ctr"/>
+            <a:r>
+              <a:rPr lang="en-US" altLang="ko-KR" dirty="0">
+                <a:solidFill>
+                  <a:schemeClr val="tx1"/>
+                </a:solidFill>
+              </a:rPr>
+              <a:t>System2</a:t>
+            </a:r>
+          </a:p>
+          <a:p>
+            <a:pPr algn="ctr"/>
+            <a:endParaRPr lang="en-US" altLang="ko-KR" dirty="0">
+              <a:solidFill>
+                <a:schemeClr val="tx1"/>
+              </a:solidFill>
+            </a:endParaRPr>
+          </a:p>
+          <a:p>
+            <a:pPr algn="ctr"/>
+            <a:endParaRPr lang="en-US" altLang="ko-KR" dirty="0">
+              <a:solidFill>
+                <a:schemeClr val="tx1"/>
+              </a:solidFill>
+            </a:endParaRPr>
+          </a:p>
+          <a:p>
+            <a:pPr algn="ctr"/>
+            <a:endParaRPr lang="ko-KR" altLang="en-US" dirty="0">
+              <a:solidFill>
+                <a:schemeClr val="tx1"/>
+              </a:solidFill>
+            </a:endParaRPr>
+          </a:p>
+        </p:txBody>
+      </p:sp>
+      <p:pic>
+        <p:nvPicPr>
+          <p:cNvPr id="19" name="Picture 34" descr="Python] - 파이썬 설치 (Python 3 Installation)">
+            <a:extLst>
+              <a:ext uri="{FF2B5EF4-FFF2-40B4-BE49-F238E27FC236}">
+                <a16:creationId xmlns:a16="http://schemas.microsoft.com/office/drawing/2014/main" id="{FBF5874B-EB8A-B40D-5404-F85E0CCC4068}"/>
+              </a:ext>
+            </a:extLst>
+          </p:cNvPr>
+          <p:cNvPicPr>
+            <a:picLocks noChangeAspect="1" noChangeArrowheads="1"/>
+          </p:cNvPicPr>
+          <p:nvPr/>
+        </p:nvPicPr>
+        <p:blipFill>
+          <a:blip r:embed="rId10">
+            <a:extLst>
+              <a:ext uri="{28A0092B-C50C-407E-A947-70E740481C1C}">
+                <a14:useLocalDpi xmlns:a14="http://schemas.microsoft.com/office/drawing/2010/main" val="0"/>
+              </a:ext>
+            </a:extLst>
+          </a:blip>
+          <a:srcRect/>
+          <a:stretch>
+            <a:fillRect/>
+          </a:stretch>
+        </p:blipFill>
+        <p:spPr bwMode="auto">
+          <a:xfrm>
+            <a:off x="5912417" y="3556417"/>
+            <a:ext cx="1293323" cy="727494"/>
+          </a:xfrm>
+          <a:prstGeom prst="rect">
+            <a:avLst/>
+          </a:prstGeom>
+          <a:noFill/>
+          <a:extLst>
+            <a:ext uri="{909E8E84-426E-40DD-AFC4-6F175D3DCCD1}">
+              <a14:hiddenFill xmlns:a14="http://schemas.microsoft.com/office/drawing/2010/main">
+                <a:solidFill>
+                  <a:srgbClr val="FFFFFF"/>
+                </a:solidFill>
+              </a14:hiddenFill>
+            </a:ext>
+          </a:extLst>
+        </p:spPr>
+      </p:pic>
+      <p:pic>
+        <p:nvPicPr>
+          <p:cNvPr id="20" name="Picture 38" descr="FastAPI 파이썬으로 간단하게 웹 API 만들기">
+            <a:extLst>
+              <a:ext uri="{FF2B5EF4-FFF2-40B4-BE49-F238E27FC236}">
+                <a16:creationId xmlns:a16="http://schemas.microsoft.com/office/drawing/2014/main" id="{05AA76B1-B8E3-F780-E113-45FDD4FF8D8A}"/>
+              </a:ext>
+            </a:extLst>
+          </p:cNvPr>
+          <p:cNvPicPr>
+            <a:picLocks noChangeAspect="1" noChangeArrowheads="1"/>
+          </p:cNvPicPr>
+          <p:nvPr/>
+        </p:nvPicPr>
+        <p:blipFill>
+          <a:blip r:embed="rId11">
+            <a:extLst>
+              <a:ext uri="{28A0092B-C50C-407E-A947-70E740481C1C}">
+                <a14:useLocalDpi xmlns:a14="http://schemas.microsoft.com/office/drawing/2010/main" val="0"/>
+              </a:ext>
+            </a:extLst>
+          </a:blip>
+          <a:srcRect/>
+          <a:stretch>
+            <a:fillRect/>
+          </a:stretch>
+        </p:blipFill>
+        <p:spPr bwMode="auto">
+          <a:xfrm>
+            <a:off x="6886686" y="3518251"/>
+            <a:ext cx="1708865" cy="616394"/>
+          </a:xfrm>
+          <a:prstGeom prst="rect">
+            <a:avLst/>
+          </a:prstGeom>
+          <a:noFill/>
+          <a:extLst>
+            <a:ext uri="{909E8E84-426E-40DD-AFC4-6F175D3DCCD1}">
+              <a14:hiddenFill xmlns:a14="http://schemas.microsoft.com/office/drawing/2010/main">
+                <a:solidFill>
+                  <a:srgbClr val="FFFFFF"/>
+                </a:solidFill>
+              </a14:hiddenFill>
+            </a:ext>
+          </a:extLst>
+        </p:spPr>
+      </p:pic>
+      <p:pic>
+        <p:nvPicPr>
+          <p:cNvPr id="21" name="Picture 44">
+            <a:extLst>
+              <a:ext uri="{FF2B5EF4-FFF2-40B4-BE49-F238E27FC236}">
+                <a16:creationId xmlns:a16="http://schemas.microsoft.com/office/drawing/2014/main" id="{529C06AC-3AA2-6325-FFB2-022AC17F09D5}"/>
+              </a:ext>
+            </a:extLst>
+          </p:cNvPr>
+          <p:cNvPicPr>
+            <a:picLocks noChangeAspect="1" noChangeArrowheads="1"/>
+          </p:cNvPicPr>
+          <p:nvPr/>
+        </p:nvPicPr>
+        <p:blipFill>
+          <a:blip r:embed="rId12">
+            <a:extLst>
+              <a:ext uri="{28A0092B-C50C-407E-A947-70E740481C1C}">
+                <a14:useLocalDpi xmlns:a14="http://schemas.microsoft.com/office/drawing/2010/main" val="0"/>
+              </a:ext>
+            </a:extLst>
+          </a:blip>
+          <a:srcRect/>
+          <a:stretch>
+            <a:fillRect/>
+          </a:stretch>
+        </p:blipFill>
+        <p:spPr bwMode="auto">
+          <a:xfrm>
+            <a:off x="9321106" y="3556417"/>
+            <a:ext cx="1414732" cy="518182"/>
+          </a:xfrm>
+          <a:prstGeom prst="rect">
+            <a:avLst/>
+          </a:prstGeom>
+          <a:noFill/>
+          <a:extLst>
+            <a:ext uri="{909E8E84-426E-40DD-AFC4-6F175D3DCCD1}">
+              <a14:hiddenFill xmlns:a14="http://schemas.microsoft.com/office/drawing/2010/main">
+                <a:solidFill>
+                  <a:srgbClr val="FFFFFF"/>
+                </a:solidFill>
+              </a14:hiddenFill>
+            </a:ext>
+          </a:extLst>
+        </p:spPr>
+      </p:pic>
+      <p:sp>
+        <p:nvSpPr>
+          <p:cNvPr id="22" name="사각형: 둥근 모서리 21">
+            <a:extLst>
+              <a:ext uri="{FF2B5EF4-FFF2-40B4-BE49-F238E27FC236}">
+                <a16:creationId xmlns:a16="http://schemas.microsoft.com/office/drawing/2014/main" id="{F3FCE2AA-1549-D9AA-073F-C9167A9BBF0E}"/>
+              </a:ext>
+            </a:extLst>
+          </p:cNvPr>
+          <p:cNvSpPr/>
+          <p:nvPr/>
+        </p:nvSpPr>
+        <p:spPr>
+          <a:xfrm>
+            <a:off x="9092075" y="3036380"/>
+            <a:ext cx="1841158" cy="1357221"/>
+          </a:xfrm>
+          <a:prstGeom prst="roundRect">
+            <a:avLst>
+              <a:gd name="adj" fmla="val 8766"/>
+            </a:avLst>
+          </a:prstGeom>
+          <a:noFill/>
+        </p:spPr>
+        <p:style>
+          <a:lnRef idx="2">
+            <a:schemeClr val="accent1">
+              <a:shade val="15000"/>
+            </a:schemeClr>
+          </a:lnRef>
+          <a:fillRef idx="1">
+            <a:schemeClr val="accent1"/>
+          </a:fillRef>
+          <a:effectRef idx="0">
+            <a:schemeClr val="accent1"/>
+          </a:effectRef>
+          <a:fontRef idx="minor">
+            <a:schemeClr val="lt1"/>
+          </a:fontRef>
+        </p:style>
+        <p:txBody>
+          <a:bodyPr rtlCol="0" anchor="ctr"/>
+          <a:lstStyle/>
+          <a:p>
+            <a:pPr algn="ctr"/>
+            <a:r>
+              <a:rPr lang="en-US" altLang="ko-KR" dirty="0">
+                <a:solidFill>
+                  <a:schemeClr val="tx1"/>
+                </a:solidFill>
+              </a:rPr>
+              <a:t>External Data</a:t>
+            </a:r>
+          </a:p>
+          <a:p>
+            <a:pPr algn="ctr"/>
+            <a:endParaRPr lang="en-US" altLang="ko-KR" dirty="0">
+              <a:solidFill>
+                <a:schemeClr val="tx1"/>
+              </a:solidFill>
+            </a:endParaRPr>
+          </a:p>
+          <a:p>
+            <a:pPr algn="ctr"/>
+            <a:endParaRPr lang="en-US" altLang="ko-KR" dirty="0">
+              <a:solidFill>
+                <a:schemeClr val="tx1"/>
+              </a:solidFill>
+            </a:endParaRPr>
+          </a:p>
+          <a:p>
+            <a:pPr algn="ctr"/>
+            <a:endParaRPr lang="ko-KR" altLang="en-US" dirty="0">
+              <a:solidFill>
+                <a:schemeClr val="tx1"/>
+              </a:solidFill>
+            </a:endParaRPr>
+          </a:p>
+        </p:txBody>
+      </p:sp>
+      <p:cxnSp>
+        <p:nvCxnSpPr>
+          <p:cNvPr id="23" name="직선 연결선 22">
+            <a:extLst>
+              <a:ext uri="{FF2B5EF4-FFF2-40B4-BE49-F238E27FC236}">
+                <a16:creationId xmlns:a16="http://schemas.microsoft.com/office/drawing/2014/main" id="{9D7B12C8-3A77-71E9-85DD-5478BE6E0F84}"/>
+              </a:ext>
+            </a:extLst>
+          </p:cNvPr>
+          <p:cNvCxnSpPr>
+            <a:cxnSpLocks/>
+            <a:endCxn id="22" idx="1"/>
+          </p:cNvCxnSpPr>
+          <p:nvPr/>
+        </p:nvCxnSpPr>
+        <p:spPr>
+          <a:xfrm>
+            <a:off x="8645799" y="3714991"/>
+            <a:ext cx="446276" cy="0"/>
+          </a:xfrm>
+          <a:prstGeom prst="line">
+            <a:avLst/>
+          </a:prstGeom>
+        </p:spPr>
+        <p:style>
+          <a:lnRef idx="2">
+            <a:schemeClr val="accent1"/>
+          </a:lnRef>
+          <a:fillRef idx="0">
+            <a:schemeClr val="accent1"/>
+          </a:fillRef>
+          <a:effectRef idx="1">
+            <a:schemeClr val="accent1"/>
+          </a:effectRef>
+          <a:fontRef idx="minor">
+            <a:schemeClr val="tx1"/>
+          </a:fontRef>
+        </p:style>
+      </p:cxnSp>
+      <p:cxnSp>
+        <p:nvCxnSpPr>
+          <p:cNvPr id="24" name="직선 연결선 23">
+            <a:extLst>
+              <a:ext uri="{FF2B5EF4-FFF2-40B4-BE49-F238E27FC236}">
+                <a16:creationId xmlns:a16="http://schemas.microsoft.com/office/drawing/2014/main" id="{BE5EDCB8-F756-1E9F-76A8-3CA5A73C81EB}"/>
+              </a:ext>
+            </a:extLst>
+          </p:cNvPr>
+          <p:cNvCxnSpPr>
+            <a:stCxn id="10" idx="2"/>
+            <a:endCxn id="18" idx="0"/>
+          </p:cNvCxnSpPr>
+          <p:nvPr/>
+        </p:nvCxnSpPr>
+        <p:spPr>
+          <a:xfrm>
+            <a:off x="7279108" y="2325185"/>
+            <a:ext cx="0" cy="711195"/>
+          </a:xfrm>
+          <a:prstGeom prst="line">
+            <a:avLst/>
+          </a:prstGeom>
+        </p:spPr>
+        <p:style>
+          <a:lnRef idx="2">
+            <a:schemeClr val="accent1"/>
+          </a:lnRef>
+          <a:fillRef idx="0">
+            <a:schemeClr val="accent1"/>
+          </a:fillRef>
+          <a:effectRef idx="1">
+            <a:schemeClr val="accent1"/>
+          </a:effectRef>
+          <a:fontRef idx="minor">
+            <a:schemeClr val="tx1"/>
+          </a:fontRef>
+        </p:style>
+      </p:cxnSp>
+      <p:cxnSp>
+        <p:nvCxnSpPr>
+          <p:cNvPr id="25" name="직선 연결선 24">
+            <a:extLst>
+              <a:ext uri="{FF2B5EF4-FFF2-40B4-BE49-F238E27FC236}">
+                <a16:creationId xmlns:a16="http://schemas.microsoft.com/office/drawing/2014/main" id="{0353A92F-3084-12B2-6481-E1895F7EA5C3}"/>
+              </a:ext>
+            </a:extLst>
+          </p:cNvPr>
+          <p:cNvCxnSpPr>
+            <a:stCxn id="5" idx="3"/>
+            <a:endCxn id="10" idx="1"/>
+          </p:cNvCxnSpPr>
+          <p:nvPr/>
+        </p:nvCxnSpPr>
+        <p:spPr>
+          <a:xfrm flipV="1">
+            <a:off x="4417619" y="1646575"/>
+            <a:ext cx="1502828" cy="15182"/>
+          </a:xfrm>
+          <a:prstGeom prst="line">
+            <a:avLst/>
+          </a:prstGeom>
+        </p:spPr>
+        <p:style>
+          <a:lnRef idx="2">
+            <a:schemeClr val="accent1"/>
+          </a:lnRef>
+          <a:fillRef idx="0">
+            <a:schemeClr val="accent1"/>
+          </a:fillRef>
+          <a:effectRef idx="1">
+            <a:schemeClr val="accent1"/>
+          </a:effectRef>
+          <a:fontRef idx="minor">
+            <a:schemeClr val="tx1"/>
+          </a:fontRef>
+        </p:style>
+      </p:cxnSp>
+      <p:cxnSp>
+        <p:nvCxnSpPr>
+          <p:cNvPr id="26" name="직선 연결선 25">
+            <a:extLst>
+              <a:ext uri="{FF2B5EF4-FFF2-40B4-BE49-F238E27FC236}">
+                <a16:creationId xmlns:a16="http://schemas.microsoft.com/office/drawing/2014/main" id="{D549C5D2-4B73-F8CB-904A-3AA48A888099}"/>
+              </a:ext>
+            </a:extLst>
+          </p:cNvPr>
+          <p:cNvCxnSpPr>
+            <a:cxnSpLocks/>
+            <a:stCxn id="5" idx="1"/>
+          </p:cNvCxnSpPr>
+          <p:nvPr/>
+        </p:nvCxnSpPr>
+        <p:spPr>
+          <a:xfrm flipH="1">
+            <a:off x="1588421" y="1661757"/>
+            <a:ext cx="707099" cy="0"/>
+          </a:xfrm>
+          <a:prstGeom prst="line">
+            <a:avLst/>
+          </a:prstGeom>
+        </p:spPr>
+        <p:style>
+          <a:lnRef idx="2">
+            <a:schemeClr val="accent1"/>
+          </a:lnRef>
+          <a:fillRef idx="0">
+            <a:schemeClr val="accent1"/>
+          </a:fillRef>
+          <a:effectRef idx="1">
+            <a:schemeClr val="accent1"/>
+          </a:effectRef>
+          <a:fontRef idx="minor">
+            <a:schemeClr val="tx1"/>
+          </a:fontRef>
+        </p:style>
+      </p:cxnSp>
+      <p:sp>
+        <p:nvSpPr>
+          <p:cNvPr id="27" name="사각형: 둥근 모서리 26">
+            <a:extLst>
+              <a:ext uri="{FF2B5EF4-FFF2-40B4-BE49-F238E27FC236}">
+                <a16:creationId xmlns:a16="http://schemas.microsoft.com/office/drawing/2014/main" id="{8B60EA0A-05F1-22FC-A317-55E86BF8C49C}"/>
+              </a:ext>
+            </a:extLst>
+          </p:cNvPr>
+          <p:cNvSpPr/>
+          <p:nvPr/>
+        </p:nvSpPr>
+        <p:spPr>
+          <a:xfrm>
+            <a:off x="5636792" y="4978041"/>
+            <a:ext cx="5617805" cy="1641178"/>
+          </a:xfrm>
+          <a:prstGeom prst="roundRect">
+            <a:avLst>
+              <a:gd name="adj" fmla="val 8766"/>
+            </a:avLst>
+          </a:prstGeom>
+          <a:noFill/>
+        </p:spPr>
+        <p:style>
+          <a:lnRef idx="2">
+            <a:schemeClr val="accent1">
+              <a:shade val="15000"/>
+            </a:schemeClr>
+          </a:lnRef>
+          <a:fillRef idx="1">
+            <a:schemeClr val="accent1"/>
+          </a:fillRef>
+          <a:effectRef idx="0">
+            <a:schemeClr val="accent1"/>
+          </a:effectRef>
+          <a:fontRef idx="minor">
+            <a:schemeClr val="lt1"/>
+          </a:fontRef>
+        </p:style>
+        <p:txBody>
+          <a:bodyPr rtlCol="0" anchor="ctr"/>
+          <a:lstStyle/>
+          <a:p>
+            <a:pPr algn="ctr"/>
+            <a:r>
+              <a:rPr lang="en-US" altLang="ko-KR" dirty="0">
+                <a:solidFill>
+                  <a:schemeClr val="tx1"/>
+                </a:solidFill>
+              </a:rPr>
+              <a:t>Deployment</a:t>
+            </a:r>
+          </a:p>
+          <a:p>
+            <a:pPr algn="ctr"/>
+            <a:endParaRPr lang="en-US" altLang="ko-KR" dirty="0">
+              <a:solidFill>
+                <a:schemeClr val="tx1"/>
+              </a:solidFill>
+            </a:endParaRPr>
+          </a:p>
+          <a:p>
+            <a:pPr algn="ctr"/>
+            <a:endParaRPr lang="en-US" altLang="ko-KR" dirty="0">
+              <a:solidFill>
+                <a:schemeClr val="tx1"/>
+              </a:solidFill>
+            </a:endParaRPr>
+          </a:p>
+          <a:p>
+            <a:pPr algn="ctr"/>
+            <a:endParaRPr lang="en-US" altLang="ko-KR" dirty="0">
+              <a:solidFill>
+                <a:schemeClr val="tx1"/>
+              </a:solidFill>
+            </a:endParaRPr>
+          </a:p>
+          <a:p>
+            <a:pPr algn="ctr"/>
+            <a:endParaRPr lang="ko-KR" altLang="en-US" dirty="0">
+              <a:solidFill>
+                <a:schemeClr val="tx1"/>
+              </a:solidFill>
+            </a:endParaRPr>
+          </a:p>
+        </p:txBody>
+      </p:sp>
+      <p:pic>
+        <p:nvPicPr>
+          <p:cNvPr id="28" name="Picture 46" descr="Docker] Docker란">
+            <a:extLst>
+              <a:ext uri="{FF2B5EF4-FFF2-40B4-BE49-F238E27FC236}">
+                <a16:creationId xmlns:a16="http://schemas.microsoft.com/office/drawing/2014/main" id="{0CDF8313-20DC-B4BC-3E08-CA0EC9B59E14}"/>
+              </a:ext>
+            </a:extLst>
+          </p:cNvPr>
+          <p:cNvPicPr>
+            <a:picLocks noChangeAspect="1" noChangeArrowheads="1"/>
+          </p:cNvPicPr>
+          <p:nvPr/>
+        </p:nvPicPr>
+        <p:blipFill>
+          <a:blip r:embed="rId13">
+            <a:extLst>
+              <a:ext uri="{28A0092B-C50C-407E-A947-70E740481C1C}">
+                <a14:useLocalDpi xmlns:a14="http://schemas.microsoft.com/office/drawing/2010/main" val="0"/>
+              </a:ext>
+            </a:extLst>
+          </a:blip>
+          <a:srcRect/>
+          <a:stretch>
+            <a:fillRect/>
+          </a:stretch>
+        </p:blipFill>
+        <p:spPr bwMode="auto">
+          <a:xfrm>
+            <a:off x="6159641" y="5247518"/>
+            <a:ext cx="2238934" cy="1259400"/>
+          </a:xfrm>
+          <a:prstGeom prst="rect">
+            <a:avLst/>
+          </a:prstGeom>
+          <a:noFill/>
+          <a:extLst>
+            <a:ext uri="{909E8E84-426E-40DD-AFC4-6F175D3DCCD1}">
+              <a14:hiddenFill xmlns:a14="http://schemas.microsoft.com/office/drawing/2010/main">
+                <a:solidFill>
+                  <a:srgbClr val="FFFFFF"/>
+                </a:solidFill>
+              </a14:hiddenFill>
+            </a:ext>
+          </a:extLst>
+        </p:spPr>
+      </p:pic>
+      <p:pic>
+        <p:nvPicPr>
+          <p:cNvPr id="29" name="Picture 48" descr="기술자료실-[Windows] IIS 설치 방법">
+            <a:extLst>
+              <a:ext uri="{FF2B5EF4-FFF2-40B4-BE49-F238E27FC236}">
+                <a16:creationId xmlns:a16="http://schemas.microsoft.com/office/drawing/2014/main" id="{4159E9B3-C741-4800-4C8F-DED742A6035A}"/>
+              </a:ext>
+            </a:extLst>
+          </p:cNvPr>
+          <p:cNvPicPr>
+            <a:picLocks noChangeAspect="1" noChangeArrowheads="1"/>
+          </p:cNvPicPr>
+          <p:nvPr/>
+        </p:nvPicPr>
+        <p:blipFill>
+          <a:blip r:embed="rId14">
+            <a:extLst>
+              <a:ext uri="{28A0092B-C50C-407E-A947-70E740481C1C}">
+                <a14:useLocalDpi xmlns:a14="http://schemas.microsoft.com/office/drawing/2010/main" val="0"/>
+              </a:ext>
+            </a:extLst>
+          </a:blip>
+          <a:srcRect/>
+          <a:stretch>
+            <a:fillRect/>
+          </a:stretch>
+        </p:blipFill>
+        <p:spPr bwMode="auto">
+          <a:xfrm>
+            <a:off x="8859865" y="5565575"/>
+            <a:ext cx="1852552" cy="842069"/>
+          </a:xfrm>
+          <a:prstGeom prst="rect">
+            <a:avLst/>
+          </a:prstGeom>
+          <a:noFill/>
+          <a:extLst>
+            <a:ext uri="{909E8E84-426E-40DD-AFC4-6F175D3DCCD1}">
+              <a14:hiddenFill xmlns:a14="http://schemas.microsoft.com/office/drawing/2010/main">
+                <a:solidFill>
+                  <a:srgbClr val="FFFFFF"/>
+                </a:solidFill>
+              </a14:hiddenFill>
+            </a:ext>
+          </a:extLst>
+        </p:spPr>
+      </p:pic>
+      <p:cxnSp>
+        <p:nvCxnSpPr>
+          <p:cNvPr id="30" name="연결선: 꺾임 29">
+            <a:extLst>
+              <a:ext uri="{FF2B5EF4-FFF2-40B4-BE49-F238E27FC236}">
+                <a16:creationId xmlns:a16="http://schemas.microsoft.com/office/drawing/2014/main" id="{043A04D9-51D0-C2EF-7364-CDFFAAF51B5F}"/>
+              </a:ext>
+            </a:extLst>
+          </p:cNvPr>
+          <p:cNvCxnSpPr>
+            <a:cxnSpLocks/>
+            <a:stCxn id="10" idx="1"/>
+            <a:endCxn id="27" idx="1"/>
+          </p:cNvCxnSpPr>
+          <p:nvPr/>
+        </p:nvCxnSpPr>
+        <p:spPr>
+          <a:xfrm rot="10800000" flipV="1">
+            <a:off x="5636793" y="1646574"/>
+            <a:ext cx="283655" cy="4152055"/>
+          </a:xfrm>
+          <a:prstGeom prst="bentConnector3">
+            <a:avLst>
+              <a:gd name="adj1" fmla="val 281963"/>
+            </a:avLst>
+          </a:prstGeom>
+        </p:spPr>
+        <p:style>
+          <a:lnRef idx="2">
+            <a:schemeClr val="accent1"/>
+          </a:lnRef>
+          <a:fillRef idx="0">
+            <a:schemeClr val="accent1"/>
+          </a:fillRef>
+          <a:effectRef idx="1">
+            <a:schemeClr val="accent1"/>
+          </a:effectRef>
+          <a:fontRef idx="minor">
+            <a:schemeClr val="tx1"/>
+          </a:fontRef>
+        </p:style>
+      </p:cxnSp>
+      <p:cxnSp>
+        <p:nvCxnSpPr>
+          <p:cNvPr id="31" name="연결선: 꺾임 30">
+            <a:extLst>
+              <a:ext uri="{FF2B5EF4-FFF2-40B4-BE49-F238E27FC236}">
+                <a16:creationId xmlns:a16="http://schemas.microsoft.com/office/drawing/2014/main" id="{1D8BECD8-F7E4-C1A9-BD82-3E37B50F9823}"/>
+              </a:ext>
+            </a:extLst>
+          </p:cNvPr>
+          <p:cNvCxnSpPr>
+            <a:stCxn id="18" idx="1"/>
+            <a:endCxn id="27" idx="1"/>
+          </p:cNvCxnSpPr>
+          <p:nvPr/>
+        </p:nvCxnSpPr>
+        <p:spPr>
+          <a:xfrm rot="10800000" flipV="1">
+            <a:off x="5636793" y="3714990"/>
+            <a:ext cx="283655" cy="2083639"/>
+          </a:xfrm>
+          <a:prstGeom prst="bentConnector3">
+            <a:avLst>
+              <a:gd name="adj1" fmla="val 283990"/>
+            </a:avLst>
+          </a:prstGeom>
+        </p:spPr>
+        <p:style>
+          <a:lnRef idx="2">
+            <a:schemeClr val="accent1"/>
+          </a:lnRef>
+          <a:fillRef idx="0">
+            <a:schemeClr val="accent1"/>
+          </a:fillRef>
+          <a:effectRef idx="1">
+            <a:schemeClr val="accent1"/>
+          </a:effectRef>
+          <a:fontRef idx="minor">
+            <a:schemeClr val="tx1"/>
+          </a:fontRef>
+        </p:style>
+      </p:cxnSp>
+    </p:spTree>
+    <p:extLst>
+      <p:ext uri="{BB962C8B-B14F-4D97-AF65-F5344CB8AC3E}">
+        <p14:creationId xmlns:p14="http://schemas.microsoft.com/office/powerpoint/2010/main" val="656898494"/>
       </p:ext>
     </p:extLst>
   </p:cSld>

--- a/docs/Capstone Desine Project PPT.pptx
+++ b/docs/Capstone Desine Project PPT.pptx
@@ -204,7 +204,7 @@
           <a:p>
             <a:fld id="{3945DEF4-DF46-4865-BCE6-D20E1BB1C05B}" type="datetimeFigureOut">
               <a:rPr lang="ko-KR" altLang="en-US" smtClean="0"/>
-              <a:t>2026-01-26</a:t>
+              <a:t>2026-01-28</a:t>
             </a:fld>
             <a:endParaRPr lang="ko-KR" altLang="en-US"/>
           </a:p>
@@ -1350,7 +1350,7 @@
           <a:p>
             <a:fld id="{E9FEC436-F2DD-4241-AC6C-F24131B4F134}" type="datetimeFigureOut">
               <a:rPr lang="ko-KR" altLang="en-US" smtClean="0"/>
-              <a:t>2026-01-26</a:t>
+              <a:t>2026-01-28</a:t>
             </a:fld>
             <a:endParaRPr lang="ko-KR" altLang="en-US"/>
           </a:p>
@@ -1548,7 +1548,7 @@
           <a:p>
             <a:fld id="{E9FEC436-F2DD-4241-AC6C-F24131B4F134}" type="datetimeFigureOut">
               <a:rPr lang="ko-KR" altLang="en-US" smtClean="0"/>
-              <a:t>2026-01-26</a:t>
+              <a:t>2026-01-28</a:t>
             </a:fld>
             <a:endParaRPr lang="ko-KR" altLang="en-US"/>
           </a:p>
@@ -1756,7 +1756,7 @@
           <a:p>
             <a:fld id="{E9FEC436-F2DD-4241-AC6C-F24131B4F134}" type="datetimeFigureOut">
               <a:rPr lang="ko-KR" altLang="en-US" smtClean="0"/>
-              <a:t>2026-01-26</a:t>
+              <a:t>2026-01-28</a:t>
             </a:fld>
             <a:endParaRPr lang="ko-KR" altLang="en-US"/>
           </a:p>
@@ -1954,7 +1954,7 @@
           <a:p>
             <a:fld id="{E9FEC436-F2DD-4241-AC6C-F24131B4F134}" type="datetimeFigureOut">
               <a:rPr lang="ko-KR" altLang="en-US" smtClean="0"/>
-              <a:t>2026-01-26</a:t>
+              <a:t>2026-01-28</a:t>
             </a:fld>
             <a:endParaRPr lang="ko-KR" altLang="en-US"/>
           </a:p>
@@ -2229,7 +2229,7 @@
           <a:p>
             <a:fld id="{E9FEC436-F2DD-4241-AC6C-F24131B4F134}" type="datetimeFigureOut">
               <a:rPr lang="ko-KR" altLang="en-US" smtClean="0"/>
-              <a:t>2026-01-26</a:t>
+              <a:t>2026-01-28</a:t>
             </a:fld>
             <a:endParaRPr lang="ko-KR" altLang="en-US"/>
           </a:p>
@@ -2494,7 +2494,7 @@
           <a:p>
             <a:fld id="{E9FEC436-F2DD-4241-AC6C-F24131B4F134}" type="datetimeFigureOut">
               <a:rPr lang="ko-KR" altLang="en-US" smtClean="0"/>
-              <a:t>2026-01-26</a:t>
+              <a:t>2026-01-28</a:t>
             </a:fld>
             <a:endParaRPr lang="ko-KR" altLang="en-US"/>
           </a:p>
@@ -2906,7 +2906,7 @@
           <a:p>
             <a:fld id="{E9FEC436-F2DD-4241-AC6C-F24131B4F134}" type="datetimeFigureOut">
               <a:rPr lang="ko-KR" altLang="en-US" smtClean="0"/>
-              <a:t>2026-01-26</a:t>
+              <a:t>2026-01-28</a:t>
             </a:fld>
             <a:endParaRPr lang="ko-KR" altLang="en-US"/>
           </a:p>
@@ -3047,7 +3047,7 @@
           <a:p>
             <a:fld id="{E9FEC436-F2DD-4241-AC6C-F24131B4F134}" type="datetimeFigureOut">
               <a:rPr lang="ko-KR" altLang="en-US" smtClean="0"/>
-              <a:t>2026-01-26</a:t>
+              <a:t>2026-01-28</a:t>
             </a:fld>
             <a:endParaRPr lang="ko-KR" altLang="en-US"/>
           </a:p>
@@ -3160,7 +3160,7 @@
           <a:p>
             <a:fld id="{E9FEC436-F2DD-4241-AC6C-F24131B4F134}" type="datetimeFigureOut">
               <a:rPr lang="ko-KR" altLang="en-US" smtClean="0"/>
-              <a:t>2026-01-26</a:t>
+              <a:t>2026-01-28</a:t>
             </a:fld>
             <a:endParaRPr lang="ko-KR" altLang="en-US"/>
           </a:p>
@@ -3471,7 +3471,7 @@
           <a:p>
             <a:fld id="{E9FEC436-F2DD-4241-AC6C-F24131B4F134}" type="datetimeFigureOut">
               <a:rPr lang="ko-KR" altLang="en-US" smtClean="0"/>
-              <a:t>2026-01-26</a:t>
+              <a:t>2026-01-28</a:t>
             </a:fld>
             <a:endParaRPr lang="ko-KR" altLang="en-US"/>
           </a:p>
@@ -3759,7 +3759,7 @@
           <a:p>
             <a:fld id="{E9FEC436-F2DD-4241-AC6C-F24131B4F134}" type="datetimeFigureOut">
               <a:rPr lang="ko-KR" altLang="en-US" smtClean="0"/>
-              <a:t>2026-01-26</a:t>
+              <a:t>2026-01-28</a:t>
             </a:fld>
             <a:endParaRPr lang="ko-KR" altLang="en-US"/>
           </a:p>
@@ -4000,7 +4000,7 @@
           <a:p>
             <a:fld id="{E9FEC436-F2DD-4241-AC6C-F24131B4F134}" type="datetimeFigureOut">
               <a:rPr lang="ko-KR" altLang="en-US" smtClean="0"/>
-              <a:t>2026-01-26</a:t>
+              <a:t>2026-01-28</a:t>
             </a:fld>
             <a:endParaRPr lang="ko-KR" altLang="en-US"/>
           </a:p>
@@ -9210,7 +9210,7 @@
         </p:nvSpPr>
         <p:spPr>
           <a:xfrm>
-            <a:off x="5920447" y="967964"/>
+            <a:off x="5920447" y="962534"/>
             <a:ext cx="2717322" cy="1357221"/>
           </a:xfrm>
           <a:prstGeom prst="roundRect">
@@ -9514,8 +9514,8 @@
         </p:nvCxnSpPr>
         <p:spPr>
           <a:xfrm>
-            <a:off x="8637769" y="1646575"/>
-            <a:ext cx="1169889" cy="0"/>
+            <a:off x="8637769" y="1641145"/>
+            <a:ext cx="1169889" cy="5430"/>
           </a:xfrm>
           <a:prstGeom prst="line">
             <a:avLst/>
@@ -9965,8 +9965,8 @@
         </p:nvCxnSpPr>
         <p:spPr>
           <a:xfrm>
-            <a:off x="7279108" y="2325185"/>
-            <a:ext cx="0" cy="711195"/>
+            <a:off x="7279108" y="2319755"/>
+            <a:ext cx="0" cy="716625"/>
           </a:xfrm>
           <a:prstGeom prst="line">
             <a:avLst/>
@@ -10004,8 +10004,8 @@
         </p:nvCxnSpPr>
         <p:spPr>
           <a:xfrm flipV="1">
-            <a:off x="4417619" y="1646575"/>
-            <a:ext cx="1502828" cy="15182"/>
+            <a:off x="4417619" y="1641145"/>
+            <a:ext cx="1502828" cy="20612"/>
           </a:xfrm>
           <a:prstGeom prst="line">
             <a:avLst/>
@@ -10265,12 +10265,12 @@
         </p:nvCxnSpPr>
         <p:spPr>
           <a:xfrm rot="10800000" flipV="1">
-            <a:off x="5636793" y="1646574"/>
-            <a:ext cx="283655" cy="4152055"/>
+            <a:off x="5636793" y="1641144"/>
+            <a:ext cx="283655" cy="4157485"/>
           </a:xfrm>
           <a:prstGeom prst="bentConnector3">
             <a:avLst>
-              <a:gd name="adj1" fmla="val 281963"/>
+              <a:gd name="adj1" fmla="val 180591"/>
             </a:avLst>
           </a:prstGeom>
         </p:spPr>
@@ -10330,6 +10330,165 @@
           </a:fontRef>
         </p:style>
       </p:cxnSp>
+      <p:sp>
+        <p:nvSpPr>
+          <p:cNvPr id="2" name="직사각형 1">
+            <a:extLst>
+              <a:ext uri="{FF2B5EF4-FFF2-40B4-BE49-F238E27FC236}">
+                <a16:creationId xmlns:a16="http://schemas.microsoft.com/office/drawing/2014/main" id="{23161D68-D53C-ED25-08F2-0FD6180C8C39}"/>
+              </a:ext>
+            </a:extLst>
+          </p:cNvPr>
+          <p:cNvSpPr/>
+          <p:nvPr/>
+        </p:nvSpPr>
+        <p:spPr>
+          <a:xfrm>
+            <a:off x="2130826" y="331839"/>
+            <a:ext cx="2480902" cy="2647335"/>
+          </a:xfrm>
+          <a:prstGeom prst="rect">
+            <a:avLst/>
+          </a:prstGeom>
+          <a:noFill/>
+          <a:ln>
+            <a:solidFill>
+              <a:srgbClr val="FF0000"/>
+            </a:solidFill>
+            <a:prstDash val="sysDash"/>
+          </a:ln>
+        </p:spPr>
+        <p:style>
+          <a:lnRef idx="2">
+            <a:schemeClr val="accent1">
+              <a:shade val="15000"/>
+            </a:schemeClr>
+          </a:lnRef>
+          <a:fillRef idx="1">
+            <a:schemeClr val="accent1"/>
+          </a:fillRef>
+          <a:effectRef idx="0">
+            <a:schemeClr val="accent1"/>
+          </a:effectRef>
+          <a:fontRef idx="minor">
+            <a:schemeClr val="lt1"/>
+          </a:fontRef>
+        </p:style>
+        <p:txBody>
+          <a:bodyPr rtlCol="0" anchor="ctr"/>
+          <a:lstStyle/>
+          <a:p>
+            <a:pPr algn="ctr"/>
+            <a:endParaRPr lang="ko-KR" altLang="en-US"/>
+          </a:p>
+        </p:txBody>
+      </p:sp>
+      <p:sp>
+        <p:nvSpPr>
+          <p:cNvPr id="3" name="직사각형 2">
+            <a:extLst>
+              <a:ext uri="{FF2B5EF4-FFF2-40B4-BE49-F238E27FC236}">
+                <a16:creationId xmlns:a16="http://schemas.microsoft.com/office/drawing/2014/main" id="{615EFE28-836E-39B9-F54B-4BA2F22612D4}"/>
+              </a:ext>
+            </a:extLst>
+          </p:cNvPr>
+          <p:cNvSpPr/>
+          <p:nvPr/>
+        </p:nvSpPr>
+        <p:spPr>
+          <a:xfrm>
+            <a:off x="5781616" y="810109"/>
+            <a:ext cx="5353416" cy="1648004"/>
+          </a:xfrm>
+          <a:prstGeom prst="rect">
+            <a:avLst/>
+          </a:prstGeom>
+          <a:noFill/>
+          <a:ln>
+            <a:solidFill>
+              <a:srgbClr val="FF0000"/>
+            </a:solidFill>
+            <a:prstDash val="sysDash"/>
+          </a:ln>
+        </p:spPr>
+        <p:style>
+          <a:lnRef idx="2">
+            <a:schemeClr val="accent1">
+              <a:shade val="15000"/>
+            </a:schemeClr>
+          </a:lnRef>
+          <a:fillRef idx="1">
+            <a:schemeClr val="accent1"/>
+          </a:fillRef>
+          <a:effectRef idx="0">
+            <a:schemeClr val="accent1"/>
+          </a:effectRef>
+          <a:fontRef idx="minor">
+            <a:schemeClr val="lt1"/>
+          </a:fontRef>
+        </p:style>
+        <p:txBody>
+          <a:bodyPr rtlCol="0" anchor="ctr"/>
+          <a:lstStyle/>
+          <a:p>
+            <a:pPr algn="ctr"/>
+            <a:endParaRPr lang="ko-KR" altLang="en-US"/>
+          </a:p>
+        </p:txBody>
+      </p:sp>
+      <p:sp>
+        <p:nvSpPr>
+          <p:cNvPr id="32" name="직사각형 31">
+            <a:extLst>
+              <a:ext uri="{FF2B5EF4-FFF2-40B4-BE49-F238E27FC236}">
+                <a16:creationId xmlns:a16="http://schemas.microsoft.com/office/drawing/2014/main" id="{3DB8E239-36AD-53FB-C061-D71401EC6B06}"/>
+              </a:ext>
+            </a:extLst>
+          </p:cNvPr>
+          <p:cNvSpPr/>
+          <p:nvPr/>
+        </p:nvSpPr>
+        <p:spPr>
+          <a:xfrm>
+            <a:off x="5789453" y="2872377"/>
+            <a:ext cx="5353416" cy="1648004"/>
+          </a:xfrm>
+          <a:prstGeom prst="rect">
+            <a:avLst/>
+          </a:prstGeom>
+          <a:noFill/>
+          <a:ln>
+            <a:solidFill>
+              <a:srgbClr val="FF0000"/>
+            </a:solidFill>
+            <a:prstDash val="sysDash"/>
+          </a:ln>
+        </p:spPr>
+        <p:style>
+          <a:lnRef idx="2">
+            <a:schemeClr val="accent1">
+              <a:shade val="15000"/>
+            </a:schemeClr>
+          </a:lnRef>
+          <a:fillRef idx="1">
+            <a:schemeClr val="accent1"/>
+          </a:fillRef>
+          <a:effectRef idx="0">
+            <a:schemeClr val="accent1"/>
+          </a:effectRef>
+          <a:fontRef idx="minor">
+            <a:schemeClr val="lt1"/>
+          </a:fontRef>
+        </p:style>
+        <p:txBody>
+          <a:bodyPr rtlCol="0" anchor="ctr"/>
+          <a:lstStyle/>
+          <a:p>
+            <a:pPr algn="ctr"/>
+            <a:endParaRPr lang="ko-KR" altLang="en-US"/>
+          </a:p>
+        </p:txBody>
+      </p:sp>
     </p:spTree>
     <p:extLst>
       <p:ext uri="{BB962C8B-B14F-4D97-AF65-F5344CB8AC3E}">
